--- a/pptfiles.pptx
+++ b/pptfiles.pptx
@@ -298,7 +298,7 @@
           <a:p>
             <a:fld id="{568AD0B9-FCF9-49BF-8194-62CE7F4B1F40}" type="datetimeFigureOut">
               <a:rPr lang="zh-CN" altLang="en-US" smtClean="0"/>
-              <a:t>2020/12/20</a:t>
+              <a:t>2020/12/21</a:t>
             </a:fld>
             <a:endParaRPr lang="zh-CN" altLang="en-US"/>
           </a:p>
@@ -468,7 +468,7 @@
           <a:p>
             <a:fld id="{568AD0B9-FCF9-49BF-8194-62CE7F4B1F40}" type="datetimeFigureOut">
               <a:rPr lang="zh-CN" altLang="en-US" smtClean="0"/>
-              <a:t>2020/12/20</a:t>
+              <a:t>2020/12/21</a:t>
             </a:fld>
             <a:endParaRPr lang="zh-CN" altLang="en-US"/>
           </a:p>
@@ -648,7 +648,7 @@
           <a:p>
             <a:fld id="{568AD0B9-FCF9-49BF-8194-62CE7F4B1F40}" type="datetimeFigureOut">
               <a:rPr lang="zh-CN" altLang="en-US" smtClean="0"/>
-              <a:t>2020/12/20</a:t>
+              <a:t>2020/12/21</a:t>
             </a:fld>
             <a:endParaRPr lang="zh-CN" altLang="en-US"/>
           </a:p>
@@ -818,7 +818,7 @@
           <a:p>
             <a:fld id="{568AD0B9-FCF9-49BF-8194-62CE7F4B1F40}" type="datetimeFigureOut">
               <a:rPr lang="zh-CN" altLang="en-US" smtClean="0"/>
-              <a:t>2020/12/20</a:t>
+              <a:t>2020/12/21</a:t>
             </a:fld>
             <a:endParaRPr lang="zh-CN" altLang="en-US"/>
           </a:p>
@@ -1064,7 +1064,7 @@
           <a:p>
             <a:fld id="{568AD0B9-FCF9-49BF-8194-62CE7F4B1F40}" type="datetimeFigureOut">
               <a:rPr lang="zh-CN" altLang="en-US" smtClean="0"/>
-              <a:t>2020/12/20</a:t>
+              <a:t>2020/12/21</a:t>
             </a:fld>
             <a:endParaRPr lang="zh-CN" altLang="en-US"/>
           </a:p>
@@ -1352,7 +1352,7 @@
           <a:p>
             <a:fld id="{568AD0B9-FCF9-49BF-8194-62CE7F4B1F40}" type="datetimeFigureOut">
               <a:rPr lang="zh-CN" altLang="en-US" smtClean="0"/>
-              <a:t>2020/12/20</a:t>
+              <a:t>2020/12/21</a:t>
             </a:fld>
             <a:endParaRPr lang="zh-CN" altLang="en-US"/>
           </a:p>
@@ -1779,7 +1779,7 @@
           <a:p>
             <a:fld id="{568AD0B9-FCF9-49BF-8194-62CE7F4B1F40}" type="datetimeFigureOut">
               <a:rPr lang="zh-CN" altLang="en-US" smtClean="0"/>
-              <a:t>2020/12/20</a:t>
+              <a:t>2020/12/21</a:t>
             </a:fld>
             <a:endParaRPr lang="zh-CN" altLang="en-US"/>
           </a:p>
@@ -1897,7 +1897,7 @@
           <a:p>
             <a:fld id="{568AD0B9-FCF9-49BF-8194-62CE7F4B1F40}" type="datetimeFigureOut">
               <a:rPr lang="zh-CN" altLang="en-US" smtClean="0"/>
-              <a:t>2020/12/20</a:t>
+              <a:t>2020/12/21</a:t>
             </a:fld>
             <a:endParaRPr lang="zh-CN" altLang="en-US"/>
           </a:p>
@@ -1992,7 +1992,7 @@
           <a:p>
             <a:fld id="{568AD0B9-FCF9-49BF-8194-62CE7F4B1F40}" type="datetimeFigureOut">
               <a:rPr lang="zh-CN" altLang="en-US" smtClean="0"/>
-              <a:t>2020/12/20</a:t>
+              <a:t>2020/12/21</a:t>
             </a:fld>
             <a:endParaRPr lang="zh-CN" altLang="en-US"/>
           </a:p>
@@ -2269,7 +2269,7 @@
           <a:p>
             <a:fld id="{568AD0B9-FCF9-49BF-8194-62CE7F4B1F40}" type="datetimeFigureOut">
               <a:rPr lang="zh-CN" altLang="en-US" smtClean="0"/>
-              <a:t>2020/12/20</a:t>
+              <a:t>2020/12/21</a:t>
             </a:fld>
             <a:endParaRPr lang="zh-CN" altLang="en-US"/>
           </a:p>
@@ -2522,7 +2522,7 @@
           <a:p>
             <a:fld id="{568AD0B9-FCF9-49BF-8194-62CE7F4B1F40}" type="datetimeFigureOut">
               <a:rPr lang="zh-CN" altLang="en-US" smtClean="0"/>
-              <a:t>2020/12/20</a:t>
+              <a:t>2020/12/21</a:t>
             </a:fld>
             <a:endParaRPr lang="zh-CN" altLang="en-US"/>
           </a:p>
@@ -2735,7 +2735,7 @@
           <a:p>
             <a:fld id="{568AD0B9-FCF9-49BF-8194-62CE7F4B1F40}" type="datetimeFigureOut">
               <a:rPr lang="zh-CN" altLang="en-US" smtClean="0"/>
-              <a:t>2020/12/20</a:t>
+              <a:t>2020/12/21</a:t>
             </a:fld>
             <a:endParaRPr lang="zh-CN" altLang="en-US"/>
           </a:p>
@@ -3663,14 +3663,10 @@
             </a:pPr>
             <a:r>
               <a:rPr lang="en-US" altLang="zh-CN" dirty="0"/>
-              <a:t>(turning to the jury) Now, </a:t>
-            </a:r>
-            <a:r>
-              <a:rPr lang="en-US" altLang="zh-CN"/>
-              <a:t>you </a:t>
-            </a:r>
-            <a:r>
-              <a:rPr lang="en-US" altLang="zh-CN" smtClean="0"/>
+              <a:t>(turning to the jury) Now, you </a:t>
+            </a:r>
+            <a:r>
+              <a:rPr lang="en-US" altLang="zh-CN" dirty="0" smtClean="0"/>
               <a:t>must......</a:t>
             </a:r>
             <a:endParaRPr lang="zh-CN" altLang="zh-CN" dirty="0" smtClean="0"/>
@@ -3682,8 +3678,12 @@
               </a:lnSpc>
             </a:pPr>
             <a:r>
-              <a:rPr lang="en-US" altLang="zh-CN" dirty="0" smtClean="0"/>
-              <a:t>Alice: No</a:t>
+              <a:rPr lang="en-US" altLang="zh-CN" dirty="0"/>
+              <a:t>Alice(WJR): </a:t>
+            </a:r>
+            <a:r>
+              <a:rPr lang="en-US" altLang="zh-CN" dirty="0" smtClean="0"/>
+              <a:t>No</a:t>
             </a:r>
             <a:r>
               <a:rPr lang="en-US" altLang="zh-CN" dirty="0"/>
@@ -3759,11 +3759,11 @@
             </a:pPr>
             <a:r>
               <a:rPr lang="en-US" altLang="zh-CN" dirty="0"/>
-              <a:t>Alice</a:t>
-            </a:r>
-            <a:r>
-              <a:rPr lang="en-US" altLang="zh-CN" dirty="0" smtClean="0"/>
-              <a:t>: (</a:t>
+              <a:t>Alice(WJR): </a:t>
+            </a:r>
+            <a:r>
+              <a:rPr lang="en-US" altLang="zh-CN" dirty="0" smtClean="0"/>
+              <a:t>(</a:t>
             </a:r>
             <a:r>
               <a:rPr lang="en-US" altLang="zh-CN" dirty="0"/>
@@ -3811,11 +3811,11 @@
             </a:pPr>
             <a:r>
               <a:rPr lang="en-US" altLang="zh-CN" dirty="0"/>
-              <a:t>Alice</a:t>
-            </a:r>
-            <a:r>
-              <a:rPr lang="en-US" altLang="zh-CN" dirty="0" smtClean="0"/>
-              <a:t>: I'm </a:t>
+              <a:t>Alice(WJR): </a:t>
+            </a:r>
+            <a:r>
+              <a:rPr lang="en-US" altLang="zh-CN" dirty="0" smtClean="0"/>
+              <a:t>I'm </a:t>
             </a:r>
             <a:r>
               <a:rPr lang="en-US" altLang="zh-CN" dirty="0"/>
@@ -3846,8 +3846,12 @@
               </a:lnSpc>
             </a:pPr>
             <a:r>
-              <a:rPr lang="en-US" altLang="zh-CN" dirty="0" smtClean="0"/>
-              <a:t>Alice: Oh</a:t>
+              <a:rPr lang="en-US" altLang="zh-CN" dirty="0"/>
+              <a:t>Alice(WJR): </a:t>
+            </a:r>
+            <a:r>
+              <a:rPr lang="en-US" altLang="zh-CN" dirty="0" smtClean="0"/>
+              <a:t>Oh</a:t>
             </a:r>
             <a:r>
               <a:rPr lang="en-US" altLang="zh-CN" dirty="0"/>
@@ -3916,7 +3920,7 @@
         <p:spPr>
           <a:xfrm>
             <a:off x="548680" y="560512"/>
-            <a:ext cx="5760640" cy="8402300"/>
+            <a:ext cx="5760640" cy="8817799"/>
           </a:xfrm>
           <a:prstGeom prst="rect">
             <a:avLst/>
@@ -4026,12 +4030,8 @@
               </a:lnSpc>
             </a:pPr>
             <a:r>
-              <a:rPr lang="en-US" altLang="zh-CN" dirty="0"/>
-              <a:t>Alice</a:t>
-            </a:r>
-            <a:r>
-              <a:rPr lang="en-US" altLang="zh-CN" dirty="0" smtClean="0"/>
-              <a:t>: (</a:t>
+              <a:rPr lang="en-US" altLang="zh-CN" dirty="0" smtClean="0"/>
+              <a:t>Alice(WJR): (</a:t>
             </a:r>
             <a:r>
               <a:rPr lang="en-US" altLang="zh-CN" dirty="0"/>
@@ -4070,12 +4070,8 @@
               </a:lnSpc>
             </a:pPr>
             <a:r>
-              <a:rPr lang="en-US" altLang="zh-CN" dirty="0"/>
-              <a:t>Alice</a:t>
-            </a:r>
-            <a:r>
-              <a:rPr lang="en-US" altLang="zh-CN" dirty="0" smtClean="0"/>
-              <a:t>:(</a:t>
+              <a:rPr lang="en-US" altLang="zh-CN" dirty="0" smtClean="0"/>
+              <a:t>Alice(WJR):(</a:t>
             </a:r>
             <a:r>
               <a:rPr lang="en-US" altLang="zh-CN" dirty="0"/>
@@ -4416,12 +4412,8 @@
               </a:lnSpc>
             </a:pPr>
             <a:r>
-              <a:rPr lang="en-US" altLang="zh-CN" dirty="0"/>
-              <a:t>Alice</a:t>
-            </a:r>
-            <a:r>
-              <a:rPr lang="en-US" altLang="zh-CN" dirty="0" smtClean="0"/>
-              <a:t>: (</a:t>
+              <a:rPr lang="en-US" altLang="zh-CN" dirty="0" smtClean="0"/>
+              <a:t>Alice(WJR): (</a:t>
             </a:r>
             <a:r>
               <a:rPr lang="en-US" altLang="zh-CN" dirty="0"/>
@@ -4456,12 +4448,8 @@
               </a:lnSpc>
             </a:pPr>
             <a:r>
-              <a:rPr lang="en-US" altLang="zh-CN" dirty="0"/>
-              <a:t>Alice</a:t>
-            </a:r>
-            <a:r>
-              <a:rPr lang="en-US" altLang="zh-CN" dirty="0" smtClean="0"/>
-              <a:t>: Dinah </a:t>
+              <a:rPr lang="en-US" altLang="zh-CN" dirty="0" smtClean="0"/>
+              <a:t>Alice(WJR): Dinah </a:t>
             </a:r>
             <a:r>
               <a:rPr lang="en-US" altLang="zh-CN" dirty="0"/>
@@ -4781,7 +4769,7 @@
             </a:endParaRPr>
           </a:p>
           <a:p>
-            <a:pPr marL="0" marR="0" lvl="0" indent="0" algn="l" defTabSz="914400" rtl="0" eaLnBrk="0" fontAlgn="base" latinLnBrk="0" hangingPunct="0">
+            <a:pPr lvl="0" eaLnBrk="0" fontAlgn="base" hangingPunct="0">
               <a:lnSpc>
                 <a:spcPct val="150000"/>
               </a:lnSpc>
@@ -4791,34 +4779,17 @@
               <a:spcAft>
                 <a:spcPct val="0"/>
               </a:spcAft>
-              <a:buClrTx/>
-              <a:buSzTx/>
-              <a:buFontTx/>
-              <a:buNone/>
-              <a:tabLst/>
-            </a:pPr>
-            <a:r>
-              <a:rPr kumimoji="0" lang="en-US" altLang="zh-CN" sz="1500" b="0" i="0" u="none" strike="noStrike" cap="none" normalizeH="0" baseline="0" dirty="0" smtClean="0">
-                <a:ln>
-                  <a:noFill/>
-                </a:ln>
+            </a:pPr>
+            <a:r>
+              <a:rPr lang="en-US" altLang="zh-CN" sz="1500" dirty="0">
                 <a:solidFill>
                   <a:srgbClr val="000000"/>
                 </a:solidFill>
-                <a:effectLst/>
                 <a:latin typeface="Arial" pitchFamily="34" charset="0"/>
                 <a:ea typeface="Microsoft JhengHei" pitchFamily="34" charset="-120"/>
                 <a:cs typeface="宋体" pitchFamily="2" charset="-122"/>
               </a:rPr>
-              <a:t>Alice:</a:t>
-            </a:r>
-            <a:r>
-              <a:rPr lang="en-US" altLang="zh-CN" sz="400" dirty="0">
-                <a:latin typeface="Arial" pitchFamily="34" charset="0"/>
-                <a:ea typeface="宋体" pitchFamily="2" charset="-122"/>
-                <a:cs typeface="宋体" pitchFamily="2" charset="-122"/>
-              </a:rPr>
-              <a:t> </a:t>
+              <a:t>Alice(WJR):</a:t>
             </a:r>
             <a:r>
               <a:rPr lang="en-US" altLang="zh-CN" sz="400" dirty="0" smtClean="0">
@@ -4826,7 +4797,7 @@
                 <a:ea typeface="宋体" pitchFamily="2" charset="-122"/>
                 <a:cs typeface="宋体" pitchFamily="2" charset="-122"/>
               </a:rPr>
-              <a:t> </a:t>
+              <a:t>  </a:t>
             </a:r>
             <a:r>
               <a:rPr kumimoji="0" lang="en-US" altLang="zh-CN" sz="1500" b="0" i="0" u="none" strike="noStrike" cap="none" normalizeH="0" baseline="0" dirty="0" smtClean="0">
@@ -4902,7 +4873,7 @@
             </a:endParaRPr>
           </a:p>
           <a:p>
-            <a:pPr marL="0" marR="0" lvl="0" indent="0" algn="l" defTabSz="914400" rtl="0" eaLnBrk="0" fontAlgn="base" latinLnBrk="0" hangingPunct="0">
+            <a:pPr lvl="0" eaLnBrk="0" fontAlgn="base" hangingPunct="0">
               <a:lnSpc>
                 <a:spcPct val="150000"/>
               </a:lnSpc>
@@ -4912,12 +4883,26 @@
               <a:spcAft>
                 <a:spcPct val="0"/>
               </a:spcAft>
-              <a:buClrTx/>
-              <a:buSzTx/>
-              <a:buFontTx/>
-              <a:buNone/>
-              <a:tabLst/>
-            </a:pPr>
+            </a:pPr>
+            <a:r>
+              <a:rPr lang="en-US" altLang="zh-CN" sz="1500" dirty="0">
+                <a:solidFill>
+                  <a:srgbClr val="000000"/>
+                </a:solidFill>
+                <a:latin typeface="Arial" pitchFamily="34" charset="0"/>
+                <a:ea typeface="Microsoft JhengHei" pitchFamily="34" charset="-120"/>
+                <a:cs typeface="宋体" pitchFamily="2" charset="-122"/>
+              </a:rPr>
+              <a:t>Alice(WJR):</a:t>
+            </a:r>
+            <a:r>
+              <a:rPr lang="en-US" altLang="zh-CN" sz="400" dirty="0" smtClean="0">
+                <a:latin typeface="Arial" pitchFamily="34" charset="0"/>
+                <a:ea typeface="宋体" pitchFamily="2" charset="-122"/>
+                <a:cs typeface="宋体" pitchFamily="2" charset="-122"/>
+              </a:rPr>
+              <a:t>  </a:t>
+            </a:r>
             <a:r>
               <a:rPr kumimoji="0" lang="en-US" altLang="zh-CN" sz="1500" b="0" i="0" u="none" strike="noStrike" cap="none" normalizeH="0" baseline="0" dirty="0" smtClean="0">
                 <a:ln>
@@ -4931,24 +4916,26 @@
                 <a:ea typeface="Microsoft JhengHei" pitchFamily="34" charset="-120"/>
                 <a:cs typeface="宋体" pitchFamily="2" charset="-122"/>
               </a:rPr>
-              <a:t>Alice:</a:t>
-            </a:r>
-            <a:r>
-              <a:rPr lang="en-US" altLang="zh-CN" sz="400" dirty="0">
-                <a:latin typeface="Arial" pitchFamily="34" charset="0"/>
-                <a:ea typeface="宋体" pitchFamily="2" charset="-122"/>
-                <a:cs typeface="宋体" pitchFamily="2" charset="-122"/>
-              </a:rPr>
-              <a:t> </a:t>
-            </a:r>
-            <a:r>
-              <a:rPr lang="en-US" altLang="zh-CN" sz="400" dirty="0" smtClean="0">
-                <a:latin typeface="Arial" pitchFamily="34" charset="0"/>
-                <a:ea typeface="宋体" pitchFamily="2" charset="-122"/>
-                <a:cs typeface="宋体" pitchFamily="2" charset="-122"/>
-              </a:rPr>
-              <a:t> </a:t>
-            </a:r>
+              <a:t>(sitting down) There's plenty of room!(The Hatter takes his watch and looks at it.) </a:t>
+            </a:r>
+          </a:p>
+          <a:p>
+            <a:pPr marL="0" marR="0" lvl="0" indent="0" algn="l" defTabSz="914400" rtl="0" eaLnBrk="0" fontAlgn="base" latinLnBrk="0" hangingPunct="0">
+              <a:lnSpc>
+                <a:spcPct val="150000"/>
+              </a:lnSpc>
+              <a:spcBef>
+                <a:spcPct val="0"/>
+              </a:spcBef>
+              <a:spcAft>
+                <a:spcPct val="0"/>
+              </a:spcAft>
+              <a:buClrTx/>
+              <a:buSzTx/>
+              <a:buFontTx/>
+              <a:buNone/>
+              <a:tabLst/>
+            </a:pPr>
             <a:r>
               <a:rPr kumimoji="0" lang="en-US" altLang="zh-CN" sz="1500" b="0" i="0" u="none" strike="noStrike" cap="none" normalizeH="0" baseline="0" dirty="0" smtClean="0">
                 <a:ln>
@@ -4962,7 +4949,7 @@
                 <a:ea typeface="Microsoft JhengHei" pitchFamily="34" charset="-120"/>
                 <a:cs typeface="宋体" pitchFamily="2" charset="-122"/>
               </a:rPr>
-              <a:t>(sitting down) There's plenty of room!(The Hatter takes his watch and looks at it.) Hatter:</a:t>
+              <a:t>Hatter:</a:t>
             </a:r>
             <a:r>
               <a:rPr lang="en-US" altLang="zh-CN" sz="400" dirty="0">
@@ -5009,7 +4996,7 @@
             </a:endParaRPr>
           </a:p>
           <a:p>
-            <a:pPr marL="0" marR="0" lvl="0" indent="0" algn="l" defTabSz="914400" rtl="0" eaLnBrk="0" fontAlgn="base" latinLnBrk="0" hangingPunct="0">
+            <a:pPr lvl="0" eaLnBrk="0" fontAlgn="base" hangingPunct="0">
               <a:lnSpc>
                 <a:spcPct val="150000"/>
               </a:lnSpc>
@@ -5019,34 +5006,17 @@
               <a:spcAft>
                 <a:spcPct val="0"/>
               </a:spcAft>
-              <a:buClrTx/>
-              <a:buSzTx/>
-              <a:buFontTx/>
-              <a:buNone/>
-              <a:tabLst/>
-            </a:pPr>
-            <a:r>
-              <a:rPr kumimoji="0" lang="en-US" altLang="zh-CN" sz="1500" b="0" i="0" u="none" strike="noStrike" cap="none" normalizeH="0" baseline="0" dirty="0" smtClean="0">
-                <a:ln>
-                  <a:noFill/>
-                </a:ln>
+            </a:pPr>
+            <a:r>
+              <a:rPr lang="en-US" altLang="zh-CN" sz="1500" dirty="0">
                 <a:solidFill>
                   <a:srgbClr val="000000"/>
                 </a:solidFill>
-                <a:effectLst/>
                 <a:latin typeface="Arial" pitchFamily="34" charset="0"/>
                 <a:ea typeface="Microsoft JhengHei" pitchFamily="34" charset="-120"/>
                 <a:cs typeface="宋体" pitchFamily="2" charset="-122"/>
               </a:rPr>
-              <a:t>Alice:</a:t>
-            </a:r>
-            <a:r>
-              <a:rPr lang="en-US" altLang="zh-CN" sz="400" dirty="0">
-                <a:latin typeface="Arial" pitchFamily="34" charset="0"/>
-                <a:ea typeface="宋体" pitchFamily="2" charset="-122"/>
-                <a:cs typeface="宋体" pitchFamily="2" charset="-122"/>
-              </a:rPr>
-              <a:t> </a:t>
+              <a:t>Alice(WJR):</a:t>
             </a:r>
             <a:r>
               <a:rPr lang="en-US" altLang="zh-CN" sz="400" dirty="0" smtClean="0">
@@ -5054,7 +5024,7 @@
                 <a:ea typeface="宋体" pitchFamily="2" charset="-122"/>
                 <a:cs typeface="宋体" pitchFamily="2" charset="-122"/>
               </a:rPr>
-              <a:t> </a:t>
+              <a:t>  </a:t>
             </a:r>
             <a:r>
               <a:rPr kumimoji="0" lang="en-US" altLang="zh-CN" sz="1500" b="0" i="0" u="none" strike="noStrike" cap="none" normalizeH="0" baseline="0" dirty="0" smtClean="0">
@@ -5149,7 +5119,7 @@
             </a:r>
           </a:p>
           <a:p>
-            <a:pPr marL="0" marR="0" lvl="0" indent="0" algn="l" defTabSz="914400" rtl="0" eaLnBrk="0" fontAlgn="base" latinLnBrk="0" hangingPunct="0">
+            <a:pPr lvl="0" eaLnBrk="0" fontAlgn="base" hangingPunct="0">
               <a:lnSpc>
                 <a:spcPct val="150000"/>
               </a:lnSpc>
@@ -5159,34 +5129,17 @@
               <a:spcAft>
                 <a:spcPct val="0"/>
               </a:spcAft>
-              <a:buClrTx/>
-              <a:buSzTx/>
-              <a:buFontTx/>
-              <a:buNone/>
-              <a:tabLst/>
-            </a:pPr>
-            <a:r>
-              <a:rPr kumimoji="0" lang="en-US" altLang="zh-CN" sz="1500" b="0" i="0" u="none" strike="noStrike" cap="none" normalizeH="0" baseline="0" dirty="0" smtClean="0">
-                <a:ln>
-                  <a:noFill/>
-                </a:ln>
+            </a:pPr>
+            <a:r>
+              <a:rPr lang="en-US" altLang="zh-CN" sz="1500" dirty="0">
                 <a:solidFill>
                   <a:srgbClr val="000000"/>
                 </a:solidFill>
-                <a:effectLst/>
                 <a:latin typeface="Arial" pitchFamily="34" charset="0"/>
                 <a:ea typeface="Microsoft JhengHei" pitchFamily="34" charset="-120"/>
                 <a:cs typeface="宋体" pitchFamily="2" charset="-122"/>
               </a:rPr>
-              <a:t>Alice:</a:t>
-            </a:r>
-            <a:r>
-              <a:rPr lang="en-US" altLang="zh-CN" sz="400" dirty="0">
-                <a:latin typeface="Arial" pitchFamily="34" charset="0"/>
-                <a:ea typeface="宋体" pitchFamily="2" charset="-122"/>
-                <a:cs typeface="宋体" pitchFamily="2" charset="-122"/>
-              </a:rPr>
-              <a:t> </a:t>
+              <a:t>Alice(WJR):</a:t>
             </a:r>
             <a:r>
               <a:rPr lang="en-US" altLang="zh-CN" sz="400" dirty="0" smtClean="0">
@@ -5194,7 +5147,7 @@
                 <a:ea typeface="宋体" pitchFamily="2" charset="-122"/>
                 <a:cs typeface="宋体" pitchFamily="2" charset="-122"/>
               </a:rPr>
-              <a:t> </a:t>
+              <a:t>  </a:t>
             </a:r>
             <a:r>
               <a:rPr kumimoji="0" lang="en-US" altLang="zh-CN" sz="1500" b="0" i="0" u="none" strike="noStrike" cap="none" normalizeH="0" baseline="0" dirty="0" smtClean="0">
@@ -5483,7 +5436,7 @@
                 <a:ea typeface="Microsoft JhengHei" pitchFamily="34" charset="-120"/>
                 <a:cs typeface="宋体" pitchFamily="2" charset="-122"/>
               </a:rPr>
-              <a:t>Alice</a:t>
+              <a:t>Alice(WJR): </a:t>
             </a:r>
             <a:r>
               <a:rPr lang="en-US" altLang="zh-CN" sz="1500" dirty="0" smtClean="0">
@@ -5494,7 +5447,7 @@
                 <a:ea typeface="Microsoft JhengHei" pitchFamily="34" charset="-120"/>
                 <a:cs typeface="宋体" pitchFamily="2" charset="-122"/>
               </a:rPr>
-              <a:t>: No</a:t>
+              <a:t>No</a:t>
             </a:r>
             <a:r>
               <a:rPr lang="en-US" altLang="zh-CN" sz="1500" dirty="0">
@@ -5591,7 +5544,7 @@
                 <a:ea typeface="Microsoft JhengHei" pitchFamily="34" charset="-120"/>
                 <a:cs typeface="宋体" pitchFamily="2" charset="-122"/>
               </a:rPr>
-              <a:t>Alice</a:t>
+              <a:t>Alice(WJR): </a:t>
             </a:r>
             <a:r>
               <a:rPr lang="en-US" altLang="zh-CN" sz="1500" dirty="0" smtClean="0">
@@ -5602,7 +5555,7 @@
                 <a:ea typeface="Microsoft JhengHei" pitchFamily="34" charset="-120"/>
                 <a:cs typeface="宋体" pitchFamily="2" charset="-122"/>
               </a:rPr>
-              <a:t>: (</a:t>
+              <a:t>(</a:t>
             </a:r>
             <a:r>
               <a:rPr lang="en-US" altLang="zh-CN" sz="1500" dirty="0">
@@ -5829,18 +5782,7 @@
                 <a:ea typeface="Microsoft JhengHei" pitchFamily="34" charset="-120"/>
                 <a:cs typeface="宋体" pitchFamily="2" charset="-122"/>
               </a:rPr>
-              <a:t>Alice</a:t>
-            </a:r>
-            <a:r>
-              <a:rPr lang="en-US" altLang="zh-CN" sz="1500" dirty="0" smtClean="0">
-                <a:solidFill>
-                  <a:srgbClr val="000000"/>
-                </a:solidFill>
-                <a:latin typeface="Arial" pitchFamily="34" charset="0"/>
-                <a:ea typeface="Microsoft JhengHei" pitchFamily="34" charset="-120"/>
-                <a:cs typeface="宋体" pitchFamily="2" charset="-122"/>
-              </a:rPr>
-              <a:t>:</a:t>
+              <a:t>Alice(WJR):</a:t>
             </a:r>
             <a:r>
               <a:rPr lang="en-US" altLang="zh-CN" sz="1200" dirty="0" smtClean="0">
@@ -5968,8 +5910,12 @@
               </a:lnSpc>
             </a:pPr>
             <a:r>
-              <a:rPr lang="en-US" altLang="zh-CN" dirty="0" smtClean="0"/>
-              <a:t>Alice:What </a:t>
+              <a:rPr lang="en-US" altLang="zh-CN" dirty="0"/>
+              <a:t>Alice(WJR</a:t>
+            </a:r>
+            <a:r>
+              <a:rPr lang="en-US" altLang="zh-CN" dirty="0" smtClean="0"/>
+              <a:t>): What </a:t>
             </a:r>
             <a:r>
               <a:rPr lang="en-US" altLang="zh-CN" dirty="0"/>
@@ -6008,8 +5954,12 @@
               </a:lnSpc>
             </a:pPr>
             <a:r>
-              <a:rPr lang="en-US" altLang="zh-CN" dirty="0" smtClean="0"/>
-              <a:t>Alice:How </a:t>
+              <a:rPr lang="en-US" altLang="zh-CN" dirty="0"/>
+              <a:t>Alice(WJR</a:t>
+            </a:r>
+            <a:r>
+              <a:rPr lang="en-US" altLang="zh-CN" dirty="0" smtClean="0"/>
+              <a:t>): How </a:t>
             </a:r>
             <a:r>
               <a:rPr lang="en-US" altLang="zh-CN" dirty="0"/>
@@ -6174,8 +6124,12 @@
               </a:lnSpc>
             </a:pPr>
             <a:r>
+              <a:rPr lang="en-US" altLang="zh-CN" sz="1600" dirty="0"/>
+              <a:t>Alice(WJR</a:t>
+            </a:r>
+            <a:r>
               <a:rPr lang="en-US" altLang="zh-CN" sz="1600" dirty="0" smtClean="0"/>
-              <a:t>Alice:Ah-ha</a:t>
+              <a:t>): Ah-ha</a:t>
             </a:r>
             <a:r>
               <a:rPr lang="en-US" altLang="zh-CN" sz="1600" dirty="0"/>
@@ -6590,8 +6544,12 @@
               </a:lnSpc>
             </a:pPr>
             <a:r>
-              <a:rPr lang="en-US" altLang="zh-CN" dirty="0" smtClean="0"/>
-              <a:t>Alice: I </a:t>
+              <a:rPr lang="en-US" altLang="zh-CN" dirty="0"/>
+              <a:t>Alice(WJR): </a:t>
+            </a:r>
+            <a:r>
+              <a:rPr lang="en-US" altLang="zh-CN" dirty="0" smtClean="0"/>
+              <a:t>I </a:t>
             </a:r>
             <a:r>
               <a:rPr lang="en-US" altLang="zh-CN" dirty="0"/>
@@ -6754,8 +6712,12 @@
               </a:lnSpc>
             </a:pPr>
             <a:r>
-              <a:rPr lang="en-US" altLang="zh-CN" dirty="0" smtClean="0"/>
-              <a:t>Alice:Nothing.(</a:t>
+              <a:rPr lang="en-US" altLang="zh-CN" dirty="0"/>
+              <a:t>Alice(WJR</a:t>
+            </a:r>
+            <a:r>
+              <a:rPr lang="en-US" altLang="zh-CN" dirty="0" smtClean="0"/>
+              <a:t>): Nothing.(</a:t>
             </a:r>
             <a:r>
               <a:rPr lang="en-US" altLang="zh-CN" dirty="0"/>
@@ -6794,8 +6756,12 @@
               </a:lnSpc>
             </a:pPr>
             <a:r>
-              <a:rPr lang="en-US" altLang="zh-CN" dirty="0" smtClean="0"/>
-              <a:t>Alice:I'm </a:t>
+              <a:rPr lang="en-US" altLang="zh-CN" dirty="0"/>
+              <a:t>Alice(WJR</a:t>
+            </a:r>
+            <a:r>
+              <a:rPr lang="en-US" altLang="zh-CN" dirty="0" smtClean="0"/>
+              <a:t>): I'm </a:t>
             </a:r>
             <a:r>
               <a:rPr lang="en-US" altLang="zh-CN" dirty="0"/>
@@ -6826,8 +6792,12 @@
               </a:lnSpc>
             </a:pPr>
             <a:r>
-              <a:rPr lang="en-US" altLang="zh-CN" dirty="0" smtClean="0"/>
-              <a:t>Alice:Then </a:t>
+              <a:rPr lang="en-US" altLang="zh-CN" dirty="0"/>
+              <a:t>Alice(WJR</a:t>
+            </a:r>
+            <a:r>
+              <a:rPr lang="en-US" altLang="zh-CN" dirty="0" smtClean="0"/>
+              <a:t>): Then </a:t>
             </a:r>
             <a:r>
               <a:rPr lang="en-US" altLang="zh-CN" dirty="0"/>
